--- a/22.08.2022_3.pptx
+++ b/22.08.2022_3.pptx
@@ -208,7 +208,7 @@
           <a:p>
             <a:fld id="{151299C4-0FA2-42C7-8E7A-443DF9BE88DC}" type="datetimeFigureOut">
               <a:rPr lang="en-US" smtClean="0"/>
-              <a:t>7/23/2022</a:t>
+              <a:t>7/25/2022</a:t>
             </a:fld>
             <a:endParaRPr lang="en-US"/>
           </a:p>
@@ -700,9 +700,9 @@
           <a:bodyPr/>
           <a:lstStyle/>
           <a:p>
-            <a:fld id="{1DEC8984-99C1-484C-9FDC-7469CBDFE76F}" type="datetime1">
+            <a:fld id="{DE7D8A37-D09A-48A3-86E5-A5C9210A6DDB}" type="datetime1">
               <a:rPr lang="en-US" smtClean="0"/>
-              <a:t>7/23/2022</a:t>
+              <a:t>7/25/2022</a:t>
             </a:fld>
             <a:endParaRPr lang="en-US"/>
           </a:p>
@@ -725,7 +725,7 @@
           <a:p>
             <a:r>
               <a:rPr lang="en-US" smtClean="0"/>
-              <a:t>18.07.2022</a:t>
+              <a:t>22.07.2022</a:t>
             </a:r>
             <a:endParaRPr lang="en-US"/>
           </a:p>
@@ -912,9 +912,9 @@
           <a:bodyPr/>
           <a:lstStyle/>
           <a:p>
-            <a:fld id="{04662763-B7CA-4461-B074-E2E3B7FDB62F}" type="datetime1">
+            <a:fld id="{81C1CA24-CCDC-4D7C-BD36-AE23B2AC8411}" type="datetime1">
               <a:rPr lang="en-US" smtClean="0"/>
-              <a:t>7/23/2022</a:t>
+              <a:t>7/25/2022</a:t>
             </a:fld>
             <a:endParaRPr lang="en-US"/>
           </a:p>
@@ -937,7 +937,7 @@
           <a:p>
             <a:r>
               <a:rPr lang="en-US" smtClean="0"/>
-              <a:t>18.07.2022</a:t>
+              <a:t>22.07.2022</a:t>
             </a:r>
             <a:endParaRPr lang="en-US"/>
           </a:p>
@@ -1172,9 +1172,9 @@
           <a:bodyPr/>
           <a:lstStyle/>
           <a:p>
-            <a:fld id="{F6D631B1-2082-4EBE-9B5E-12816A53862C}" type="datetime1">
+            <a:fld id="{BFD461D6-F0AA-4BC4-AF5B-EC41A99D3F41}" type="datetime1">
               <a:rPr lang="en-US" smtClean="0"/>
-              <a:t>7/23/2022</a:t>
+              <a:t>7/25/2022</a:t>
             </a:fld>
             <a:endParaRPr lang="en-US"/>
           </a:p>
@@ -1197,7 +1197,7 @@
           <a:p>
             <a:r>
               <a:rPr lang="en-US" smtClean="0"/>
-              <a:t>18.07.2022</a:t>
+              <a:t>22.07.2022</a:t>
             </a:r>
             <a:endParaRPr lang="en-US"/>
           </a:p>
@@ -1350,9 +1350,9 @@
           <a:bodyPr/>
           <a:lstStyle/>
           <a:p>
-            <a:fld id="{44FB622A-7C7D-47CB-A5B7-F68B191B2D1A}" type="datetime1">
+            <a:fld id="{41A75178-50AA-41B5-9699-65C14D1A8AB2}" type="datetime1">
               <a:rPr lang="en-US" smtClean="0"/>
-              <a:t>7/23/2022</a:t>
+              <a:t>7/25/2022</a:t>
             </a:fld>
             <a:endParaRPr lang="en-US"/>
           </a:p>
@@ -1375,7 +1375,7 @@
           <a:p>
             <a:r>
               <a:rPr lang="en-US" smtClean="0"/>
-              <a:t>18.07.2022</a:t>
+              <a:t>22.07.2022</a:t>
             </a:r>
             <a:endParaRPr lang="en-US"/>
           </a:p>
@@ -1697,9 +1697,9 @@
           <a:bodyPr/>
           <a:lstStyle/>
           <a:p>
-            <a:fld id="{6FC2EAB3-DB63-437F-83E6-BDF69955C355}" type="datetime1">
+            <a:fld id="{E95BC19E-DBD7-456D-A875-91600068E1DA}" type="datetime1">
               <a:rPr lang="en-US" smtClean="0"/>
-              <a:t>7/23/2022</a:t>
+              <a:t>7/25/2022</a:t>
             </a:fld>
             <a:endParaRPr lang="en-US"/>
           </a:p>
@@ -1722,7 +1722,7 @@
           <a:p>
             <a:r>
               <a:rPr lang="en-US" smtClean="0"/>
-              <a:t>18.07.2022</a:t>
+              <a:t>22.07.2022</a:t>
             </a:r>
             <a:endParaRPr lang="en-US"/>
           </a:p>
@@ -1976,9 +1976,9 @@
           <a:bodyPr/>
           <a:lstStyle/>
           <a:p>
-            <a:fld id="{A868EE95-6672-425A-A69E-0DC30FF8B826}" type="datetime1">
+            <a:fld id="{348D1277-E62C-40A7-B846-E4FB4A128205}" type="datetime1">
               <a:rPr lang="en-US" smtClean="0"/>
-              <a:t>7/23/2022</a:t>
+              <a:t>7/25/2022</a:t>
             </a:fld>
             <a:endParaRPr lang="en-US"/>
           </a:p>
@@ -2001,7 +2001,7 @@
           <a:p>
             <a:r>
               <a:rPr lang="en-US" smtClean="0"/>
-              <a:t>18.07.2022</a:t>
+              <a:t>22.07.2022</a:t>
             </a:r>
             <a:endParaRPr lang="en-US"/>
           </a:p>
@@ -2359,9 +2359,9 @@
           <a:bodyPr/>
           <a:lstStyle/>
           <a:p>
-            <a:fld id="{620BC551-EA2A-4C50-8EBC-5E8D0755B7B7}" type="datetime1">
+            <a:fld id="{A847FDC9-C147-4051-B5E0-A8D3671431EE}" type="datetime1">
               <a:rPr lang="en-US" smtClean="0"/>
-              <a:t>7/23/2022</a:t>
+              <a:t>7/25/2022</a:t>
             </a:fld>
             <a:endParaRPr lang="en-US"/>
           </a:p>
@@ -2384,7 +2384,7 @@
           <a:p>
             <a:r>
               <a:rPr lang="en-US" smtClean="0"/>
-              <a:t>18.07.2022</a:t>
+              <a:t>22.07.2022</a:t>
             </a:r>
             <a:endParaRPr lang="en-US"/>
           </a:p>
@@ -2481,9 +2481,9 @@
           <a:bodyPr/>
           <a:lstStyle/>
           <a:p>
-            <a:fld id="{BDDF3669-4B97-4096-A66B-A47CA1A968F4}" type="datetime1">
+            <a:fld id="{3FD535A4-B6DD-4557-88C3-190814F1928B}" type="datetime1">
               <a:rPr lang="en-US" smtClean="0"/>
-              <a:t>7/23/2022</a:t>
+              <a:t>7/25/2022</a:t>
             </a:fld>
             <a:endParaRPr lang="en-US"/>
           </a:p>
@@ -2506,7 +2506,7 @@
           <a:p>
             <a:r>
               <a:rPr lang="en-US" smtClean="0"/>
-              <a:t>18.07.2022</a:t>
+              <a:t>22.07.2022</a:t>
             </a:r>
             <a:endParaRPr lang="en-US"/>
           </a:p>
@@ -2656,9 +2656,9 @@
           <a:bodyPr/>
           <a:lstStyle/>
           <a:p>
-            <a:fld id="{55AF6C67-8305-40F8-8959-AA12F8F8551E}" type="datetime1">
+            <a:fld id="{11E18DB0-2A25-4C5A-8907-222691B33CEA}" type="datetime1">
               <a:rPr lang="en-US" smtClean="0"/>
-              <a:t>7/23/2022</a:t>
+              <a:t>7/25/2022</a:t>
             </a:fld>
             <a:endParaRPr lang="en-US"/>
           </a:p>
@@ -2689,7 +2689,7 @@
           <a:p>
             <a:r>
               <a:rPr lang="en-US" smtClean="0"/>
-              <a:t>18.07.2022</a:t>
+              <a:t>22.07.2022</a:t>
             </a:r>
             <a:endParaRPr lang="en-US"/>
           </a:p>
@@ -3014,9 +3014,9 @@
             </a:lvl1pPr>
           </a:lstStyle>
           <a:p>
-            <a:fld id="{F7646FD3-A208-496F-B6A1-5844474E0277}" type="datetime1">
+            <a:fld id="{AAA2A2FE-E6A1-4F4E-8857-EB711A0DA2D4}" type="datetime1">
               <a:rPr lang="en-US" smtClean="0"/>
-              <a:t>7/23/2022</a:t>
+              <a:t>7/25/2022</a:t>
             </a:fld>
             <a:endParaRPr lang="en-US"/>
           </a:p>
@@ -3052,7 +3052,7 @@
           <a:p>
             <a:r>
               <a:rPr lang="en-US" smtClean="0"/>
-              <a:t>18.07.2022</a:t>
+              <a:t>22.07.2022</a:t>
             </a:r>
             <a:endParaRPr lang="en-US"/>
           </a:p>
@@ -3400,9 +3400,9 @@
           <a:bodyPr/>
           <a:lstStyle/>
           <a:p>
-            <a:fld id="{7D5156E0-5CD3-4EA5-9610-8B2EF7DDBF9F}" type="datetime1">
+            <a:fld id="{7B391666-7FC8-48F2-B02B-0F47DD25E829}" type="datetime1">
               <a:rPr lang="en-US" smtClean="0"/>
-              <a:t>7/23/2022</a:t>
+              <a:t>7/25/2022</a:t>
             </a:fld>
             <a:endParaRPr lang="en-US"/>
           </a:p>
@@ -3425,7 +3425,7 @@
           <a:p>
             <a:r>
               <a:rPr lang="en-US" smtClean="0"/>
-              <a:t>18.07.2022</a:t>
+              <a:t>22.07.2022</a:t>
             </a:r>
             <a:endParaRPr lang="en-US"/>
           </a:p>
@@ -3691,9 +3691,9 @@
             </a:lvl1pPr>
           </a:lstStyle>
           <a:p>
-            <a:fld id="{B0B58414-D3AA-424A-818F-EBCFEF5AA5BC}" type="datetime1">
+            <a:fld id="{8B18B34B-999C-459E-9B38-EC1C867DCBF5}" type="datetime1">
               <a:rPr lang="en-US" smtClean="0"/>
-              <a:t>7/23/2022</a:t>
+              <a:t>7/25/2022</a:t>
             </a:fld>
             <a:endParaRPr lang="en-US"/>
           </a:p>
@@ -3732,7 +3732,7 @@
           <a:p>
             <a:r>
               <a:rPr lang="en-US" smtClean="0"/>
-              <a:t>18.07.2022</a:t>
+              <a:t>22.07.2022</a:t>
             </a:r>
             <a:endParaRPr lang="en-US"/>
           </a:p>
@@ -4316,16 +4316,8 @@
           <a:p>
             <a:pPr algn="ctr"/>
             <a:r>
-              <a:rPr lang="en-US" dirty="0" smtClean="0"/>
-              <a:t>18.0</a:t>
-            </a:r>
-            <a:r>
-              <a:rPr lang="tr-TR" dirty="0" smtClean="0"/>
-              <a:t>7</a:t>
-            </a:r>
-            <a:r>
-              <a:rPr lang="en-US" dirty="0" smtClean="0"/>
-              <a:t>.2022</a:t>
+              <a:rPr lang="en-US" smtClean="0"/>
+              <a:t>22.07.2022</a:t>
             </a:r>
             <a:endParaRPr lang="en-US" dirty="0"/>
           </a:p>
@@ -4631,16 +4623,8 @@
           <a:lstStyle/>
           <a:p>
             <a:r>
-              <a:rPr lang="en-US" dirty="0" smtClean="0"/>
-              <a:t>18.0</a:t>
-            </a:r>
-            <a:r>
-              <a:rPr lang="tr-TR" dirty="0" smtClean="0"/>
-              <a:t>7</a:t>
-            </a:r>
-            <a:r>
-              <a:rPr lang="en-US" dirty="0" smtClean="0"/>
-              <a:t>.2022</a:t>
+              <a:rPr lang="en-US" smtClean="0"/>
+              <a:t>22.07.2022</a:t>
             </a:r>
             <a:endParaRPr lang="en-US" dirty="0"/>
           </a:p>
@@ -4870,16 +4854,8 @@
           <a:lstStyle/>
           <a:p>
             <a:r>
-              <a:rPr lang="en-US" dirty="0" smtClean="0"/>
-              <a:t>18.0</a:t>
-            </a:r>
-            <a:r>
-              <a:rPr lang="tr-TR" dirty="0" smtClean="0"/>
-              <a:t>7</a:t>
-            </a:r>
-            <a:r>
-              <a:rPr lang="en-US" dirty="0" smtClean="0"/>
-              <a:t>.2022</a:t>
+              <a:rPr lang="en-US" smtClean="0"/>
+              <a:t>22.07.2022</a:t>
             </a:r>
             <a:endParaRPr lang="en-US" dirty="0"/>
           </a:p>
@@ -5027,11 +5003,7 @@
           <a:p>
             <a:r>
               <a:rPr lang="tr-TR" dirty="0" err="1" smtClean="0"/>
-              <a:t>Two</a:t>
-            </a:r>
-            <a:r>
-              <a:rPr lang="tr-TR" dirty="0" err="1" smtClean="0"/>
-              <a:t>-way</a:t>
+              <a:t>Two-way</a:t>
             </a:r>
             <a:r>
               <a:rPr lang="tr-TR" dirty="0" smtClean="0"/>
@@ -5166,16 +5138,8 @@
           <a:lstStyle/>
           <a:p>
             <a:r>
-              <a:rPr lang="en-US" dirty="0" smtClean="0"/>
-              <a:t>18.0</a:t>
-            </a:r>
-            <a:r>
-              <a:rPr lang="tr-TR" dirty="0" smtClean="0"/>
-              <a:t>7</a:t>
-            </a:r>
-            <a:r>
-              <a:rPr lang="en-US" dirty="0" smtClean="0"/>
-              <a:t>.2022</a:t>
+              <a:rPr lang="en-US" smtClean="0"/>
+              <a:t>22.07.2022</a:t>
             </a:r>
             <a:endParaRPr lang="en-US" dirty="0"/>
           </a:p>
@@ -5351,9 +5315,10 @@
           <a:lstStyle/>
           <a:p>
             <a:r>
-              <a:rPr lang="tr-TR" dirty="0" smtClean="0"/>
-              <a:t>18.07.2022</a:t>
-            </a:r>
+              <a:rPr lang="tr-TR" smtClean="0"/>
+              <a:t>22.07.2022</a:t>
+            </a:r>
+            <a:endParaRPr lang="tr-TR" dirty="0" smtClean="0"/>
           </a:p>
         </p:txBody>
       </p:sp>
@@ -5889,16 +5854,8 @@
           <a:lstStyle/>
           <a:p>
             <a:r>
-              <a:rPr lang="en-US" dirty="0" smtClean="0"/>
-              <a:t>18.0</a:t>
-            </a:r>
-            <a:r>
-              <a:rPr lang="tr-TR" dirty="0" smtClean="0"/>
-              <a:t>7</a:t>
-            </a:r>
-            <a:r>
-              <a:rPr lang="en-US" dirty="0" smtClean="0"/>
-              <a:t>.2022</a:t>
+              <a:rPr lang="en-US" smtClean="0"/>
+              <a:t>22.07.2022</a:t>
             </a:r>
             <a:endParaRPr lang="en-US" dirty="0"/>
           </a:p>
@@ -6072,7 +6029,7 @@
           <a:p>
             <a:r>
               <a:rPr lang="en-US" smtClean="0"/>
-              <a:t>18.07.2022</a:t>
+              <a:t>22.07.2022</a:t>
             </a:r>
             <a:endParaRPr lang="en-US"/>
           </a:p>
@@ -6455,16 +6412,8 @@
           <a:lstStyle/>
           <a:p>
             <a:r>
-              <a:rPr lang="en-US" dirty="0" smtClean="0"/>
-              <a:t>18.0</a:t>
-            </a:r>
-            <a:r>
-              <a:rPr lang="tr-TR" dirty="0" smtClean="0"/>
-              <a:t>7</a:t>
-            </a:r>
-            <a:r>
-              <a:rPr lang="en-US" dirty="0" smtClean="0"/>
-              <a:t>.2022</a:t>
+              <a:rPr lang="en-US" smtClean="0"/>
+              <a:t>22.07.2022</a:t>
             </a:r>
             <a:endParaRPr lang="en-US" dirty="0"/>
           </a:p>
@@ -6990,16 +6939,8 @@
           <a:lstStyle/>
           <a:p>
             <a:r>
-              <a:rPr lang="en-US" dirty="0" smtClean="0"/>
-              <a:t>18.0</a:t>
-            </a:r>
-            <a:r>
-              <a:rPr lang="tr-TR" dirty="0" smtClean="0"/>
-              <a:t>7</a:t>
-            </a:r>
-            <a:r>
-              <a:rPr lang="en-US" dirty="0" smtClean="0"/>
-              <a:t>.2022</a:t>
+              <a:rPr lang="en-US" smtClean="0"/>
+              <a:t>22.07.2022</a:t>
             </a:r>
             <a:endParaRPr lang="en-US" dirty="0"/>
           </a:p>
@@ -7612,16 +7553,8 @@
           <a:lstStyle/>
           <a:p>
             <a:r>
-              <a:rPr lang="en-US" dirty="0" smtClean="0"/>
-              <a:t>18.0</a:t>
-            </a:r>
-            <a:r>
-              <a:rPr lang="tr-TR" dirty="0" smtClean="0"/>
-              <a:t>7</a:t>
-            </a:r>
-            <a:r>
-              <a:rPr lang="en-US" dirty="0" smtClean="0"/>
-              <a:t>.2022</a:t>
+              <a:rPr lang="en-US" smtClean="0"/>
+              <a:t>22.07.2022</a:t>
             </a:r>
             <a:endParaRPr lang="en-US" dirty="0"/>
           </a:p>
@@ -8392,16 +8325,8 @@
           <a:lstStyle/>
           <a:p>
             <a:r>
-              <a:rPr lang="en-US" dirty="0" smtClean="0"/>
-              <a:t>18.0</a:t>
-            </a:r>
-            <a:r>
-              <a:rPr lang="tr-TR" dirty="0" smtClean="0"/>
-              <a:t>7</a:t>
-            </a:r>
-            <a:r>
-              <a:rPr lang="en-US" dirty="0" smtClean="0"/>
-              <a:t>.2022</a:t>
+              <a:rPr lang="en-US" smtClean="0"/>
+              <a:t>22.07.2022</a:t>
             </a:r>
             <a:endParaRPr lang="en-US" dirty="0"/>
           </a:p>
@@ -9235,16 +9160,8 @@
           <a:lstStyle/>
           <a:p>
             <a:r>
-              <a:rPr lang="en-US" dirty="0" smtClean="0"/>
-              <a:t>18.0</a:t>
-            </a:r>
-            <a:r>
-              <a:rPr lang="tr-TR" dirty="0" smtClean="0"/>
-              <a:t>7</a:t>
-            </a:r>
-            <a:r>
-              <a:rPr lang="en-US" dirty="0" smtClean="0"/>
-              <a:t>.2022</a:t>
+              <a:rPr lang="en-US" smtClean="0"/>
+              <a:t>22.07.2022</a:t>
             </a:r>
             <a:endParaRPr lang="en-US" dirty="0"/>
           </a:p>
